--- a/Housing Prices – Multivariable Regression.pptx
+++ b/Housing Prices – Multivariable Regression.pptx
@@ -5,15 +5,16 @@
     <p:sldMasterId id="2147483648" r:id="rId4"/>
   </p:sldMasterIdLst>
   <p:notesMasterIdLst>
-    <p:notesMasterId r:id="rId11"/>
+    <p:notesMasterId r:id="rId12"/>
   </p:notesMasterIdLst>
   <p:sldIdLst>
     <p:sldId id="256" r:id="rId5"/>
     <p:sldId id="257" r:id="rId6"/>
     <p:sldId id="258" r:id="rId7"/>
     <p:sldId id="259" r:id="rId8"/>
-    <p:sldId id="261" r:id="rId9"/>
-    <p:sldId id="260" r:id="rId10"/>
+    <p:sldId id="262" r:id="rId9"/>
+    <p:sldId id="261" r:id="rId10"/>
+    <p:sldId id="260" r:id="rId11"/>
   </p:sldIdLst>
   <p:sldSz cx="12192000" cy="6858000"/>
   <p:notesSz cx="6858000" cy="9144000"/>
@@ -132,6 +133,135 @@
 </p:cmAuthorLst>
 </file>
 
+<file path=ppt/revisionInfo.xml><?xml version="1.0" encoding="utf-8"?>
+<p1510:revInfo xmlns:a="http://schemas.openxmlformats.org/drawingml/2006/main" xmlns:r="http://schemas.openxmlformats.org/officeDocument/2006/relationships" xmlns:p1510="http://schemas.microsoft.com/office/powerpoint/2015/10/main">
+  <p1510:revLst>
+    <p1510:client id="{85F84571-7933-4FE2-816D-9B790C9592D3}" v="5" dt="2022-12-05T07:41:02.440"/>
+  </p1510:revLst>
+</p1510:revInfo>
+</file>
+
+<file path=ppt/changesInfos/changesInfo1.xml><?xml version="1.0" encoding="utf-8"?>
+<pc:chgInfo xmlns:a="http://schemas.openxmlformats.org/drawingml/2006/main" xmlns:r="http://schemas.openxmlformats.org/officeDocument/2006/relationships" xmlns:ac="http://schemas.microsoft.com/office/drawing/2013/main/command" xmlns:pc="http://schemas.microsoft.com/office/powerpoint/2013/main/command">
+  <pc:docChgLst>
+    <pc:chgData name="Cameron Jamieson" userId="f13f673032b95634" providerId="LiveId" clId="{85F84571-7933-4FE2-816D-9B790C9592D3}"/>
+    <pc:docChg chg="undo custSel addSld modSld">
+      <pc:chgData name="Cameron Jamieson" userId="f13f673032b95634" providerId="LiveId" clId="{85F84571-7933-4FE2-816D-9B790C9592D3}" dt="2022-12-05T08:33:17.104" v="96" actId="403"/>
+      <pc:docMkLst>
+        <pc:docMk/>
+      </pc:docMkLst>
+      <pc:sldChg chg="modSp mod">
+        <pc:chgData name="Cameron Jamieson" userId="f13f673032b95634" providerId="LiveId" clId="{85F84571-7933-4FE2-816D-9B790C9592D3}" dt="2022-12-05T08:27:03.553" v="91" actId="20577"/>
+        <pc:sldMkLst>
+          <pc:docMk/>
+          <pc:sldMk cId="2832466464" sldId="258"/>
+        </pc:sldMkLst>
+        <pc:spChg chg="mod">
+          <ac:chgData name="Cameron Jamieson" userId="f13f673032b95634" providerId="LiveId" clId="{85F84571-7933-4FE2-816D-9B790C9592D3}" dt="2022-12-05T08:27:03.553" v="91" actId="20577"/>
+          <ac:spMkLst>
+            <pc:docMk/>
+            <pc:sldMk cId="2832466464" sldId="258"/>
+            <ac:spMk id="3" creationId="{87CA5F3A-8888-FECF-60F9-0F0E603909FA}"/>
+          </ac:spMkLst>
+        </pc:spChg>
+      </pc:sldChg>
+      <pc:sldChg chg="addSp delSp modSp mod">
+        <pc:chgData name="Cameron Jamieson" userId="f13f673032b95634" providerId="LiveId" clId="{85F84571-7933-4FE2-816D-9B790C9592D3}" dt="2022-12-05T07:40:41.984" v="22" actId="1076"/>
+        <pc:sldMkLst>
+          <pc:docMk/>
+          <pc:sldMk cId="2224105438" sldId="259"/>
+        </pc:sldMkLst>
+        <pc:spChg chg="del mod">
+          <ac:chgData name="Cameron Jamieson" userId="f13f673032b95634" providerId="LiveId" clId="{85F84571-7933-4FE2-816D-9B790C9592D3}" dt="2022-12-05T07:40:36.454" v="20" actId="478"/>
+          <ac:spMkLst>
+            <pc:docMk/>
+            <pc:sldMk cId="2224105438" sldId="259"/>
+            <ac:spMk id="3" creationId="{C9ACAC80-D208-85B0-920C-8551A134339E}"/>
+          </ac:spMkLst>
+        </pc:spChg>
+        <pc:spChg chg="add del mod">
+          <ac:chgData name="Cameron Jamieson" userId="f13f673032b95634" providerId="LiveId" clId="{85F84571-7933-4FE2-816D-9B790C9592D3}" dt="2022-12-05T07:40:38.923" v="21" actId="478"/>
+          <ac:spMkLst>
+            <pc:docMk/>
+            <pc:sldMk cId="2224105438" sldId="259"/>
+            <ac:spMk id="12" creationId="{02552FEB-37A7-10FB-8D0D-E9D0D2631737}"/>
+          </ac:spMkLst>
+        </pc:spChg>
+        <pc:picChg chg="add del mod">
+          <ac:chgData name="Cameron Jamieson" userId="f13f673032b95634" providerId="LiveId" clId="{85F84571-7933-4FE2-816D-9B790C9592D3}" dt="2022-12-05T07:16:57.578" v="9" actId="478"/>
+          <ac:picMkLst>
+            <pc:docMk/>
+            <pc:sldMk cId="2224105438" sldId="259"/>
+            <ac:picMk id="8" creationId="{A3FEED2D-7FB6-69F9-26AC-54E2804A2764}"/>
+          </ac:picMkLst>
+        </pc:picChg>
+        <pc:picChg chg="add mod">
+          <ac:chgData name="Cameron Jamieson" userId="f13f673032b95634" providerId="LiveId" clId="{85F84571-7933-4FE2-816D-9B790C9592D3}" dt="2022-12-05T07:40:41.984" v="22" actId="1076"/>
+          <ac:picMkLst>
+            <pc:docMk/>
+            <pc:sldMk cId="2224105438" sldId="259"/>
+            <ac:picMk id="10" creationId="{696225FA-D1E7-A6D3-5B48-B04C3E72B337}"/>
+          </ac:picMkLst>
+        </pc:picChg>
+      </pc:sldChg>
+      <pc:sldChg chg="modSp mod">
+        <pc:chgData name="Cameron Jamieson" userId="f13f673032b95634" providerId="LiveId" clId="{85F84571-7933-4FE2-816D-9B790C9592D3}" dt="2022-12-05T08:33:17.104" v="96" actId="403"/>
+        <pc:sldMkLst>
+          <pc:docMk/>
+          <pc:sldMk cId="1480816448" sldId="260"/>
+        </pc:sldMkLst>
+        <pc:spChg chg="mod">
+          <ac:chgData name="Cameron Jamieson" userId="f13f673032b95634" providerId="LiveId" clId="{85F84571-7933-4FE2-816D-9B790C9592D3}" dt="2022-12-05T08:33:17.104" v="96" actId="403"/>
+          <ac:spMkLst>
+            <pc:docMk/>
+            <pc:sldMk cId="1480816448" sldId="260"/>
+            <ac:spMk id="3" creationId="{542B134F-E6A9-772A-B7E8-0D74A6365A5A}"/>
+          </ac:spMkLst>
+        </pc:spChg>
+      </pc:sldChg>
+      <pc:sldChg chg="modSp mod">
+        <pc:chgData name="Cameron Jamieson" userId="f13f673032b95634" providerId="LiveId" clId="{85F84571-7933-4FE2-816D-9B790C9592D3}" dt="2022-12-05T07:22:03.542" v="19" actId="20577"/>
+        <pc:sldMkLst>
+          <pc:docMk/>
+          <pc:sldMk cId="3306797172" sldId="261"/>
+        </pc:sldMkLst>
+        <pc:spChg chg="mod">
+          <ac:chgData name="Cameron Jamieson" userId="f13f673032b95634" providerId="LiveId" clId="{85F84571-7933-4FE2-816D-9B790C9592D3}" dt="2022-12-05T07:22:03.542" v="19" actId="20577"/>
+          <ac:spMkLst>
+            <pc:docMk/>
+            <pc:sldMk cId="3306797172" sldId="261"/>
+            <ac:spMk id="3" creationId="{D44A9B3D-5875-C598-5876-787EB412DAA6}"/>
+          </ac:spMkLst>
+        </pc:spChg>
+      </pc:sldChg>
+      <pc:sldChg chg="addSp delSp modSp add mod">
+        <pc:chgData name="Cameron Jamieson" userId="f13f673032b95634" providerId="LiveId" clId="{85F84571-7933-4FE2-816D-9B790C9592D3}" dt="2022-12-05T07:41:19.176" v="29" actId="14100"/>
+        <pc:sldMkLst>
+          <pc:docMk/>
+          <pc:sldMk cId="3534890177" sldId="262"/>
+        </pc:sldMkLst>
+        <pc:picChg chg="add mod">
+          <ac:chgData name="Cameron Jamieson" userId="f13f673032b95634" providerId="LiveId" clId="{85F84571-7933-4FE2-816D-9B790C9592D3}" dt="2022-12-05T07:41:19.176" v="29" actId="14100"/>
+          <ac:picMkLst>
+            <pc:docMk/>
+            <pc:sldMk cId="3534890177" sldId="262"/>
+            <ac:picMk id="7" creationId="{74C1FF01-04A4-C95F-9D0F-44253F2B9201}"/>
+          </ac:picMkLst>
+        </pc:picChg>
+        <pc:picChg chg="del">
+          <ac:chgData name="Cameron Jamieson" userId="f13f673032b95634" providerId="LiveId" clId="{85F84571-7933-4FE2-816D-9B790C9592D3}" dt="2022-12-05T07:40:51.431" v="24" actId="478"/>
+          <ac:picMkLst>
+            <pc:docMk/>
+            <pc:sldMk cId="3534890177" sldId="262"/>
+            <ac:picMk id="10" creationId="{696225FA-D1E7-A6D3-5B48-B04C3E72B337}"/>
+          </ac:picMkLst>
+        </pc:picChg>
+      </pc:sldChg>
+    </pc:docChg>
+  </pc:docChgLst>
+</pc:chgInfo>
+</file>
+
 <file path=ppt/notesMasters/notesMaster1.xml><?xml version="1.0" encoding="utf-8"?>
 <p:notesMaster xmlns:a="http://schemas.openxmlformats.org/drawingml/2006/main" xmlns:r="http://schemas.openxmlformats.org/officeDocument/2006/relationships" xmlns:p="http://schemas.openxmlformats.org/presentationml/2006/main">
   <p:cSld>
@@ -214,7 +344,7 @@
           <a:p>
             <a:fld id="{7487ADD9-2083-264C-A652-8D52D02F7E72}" type="datetimeFigureOut">
               <a:rPr lang="en-US" smtClean="0"/>
-              <a:t>12/3/2022</a:t>
+              <a:t>12/4/2022</a:t>
             </a:fld>
             <a:endParaRPr lang="en-US" dirty="0"/>
           </a:p>
@@ -1871,7 +2001,7 @@
             <a:fld id="{5F02DCD1-2C6B-F948-9F72-3BB0CF3D512E}" type="datetime1">
               <a:rPr lang="en-US" smtClean="0"/>
               <a:pPr/>
-              <a:t>12/3/2022</a:t>
+              <a:t>12/4/2022</a:t>
             </a:fld>
             <a:endParaRPr lang="en-US" dirty="0"/>
           </a:p>
@@ -2756,7 +2886,7 @@
             <a:fld id="{C1583C39-01BF-7F43-854C-FBB4E9AB6B0C}" type="datetime1">
               <a:rPr lang="en-US" smtClean="0"/>
               <a:pPr/>
-              <a:t>12/3/2022</a:t>
+              <a:t>12/4/2022</a:t>
             </a:fld>
             <a:endParaRPr lang="en-US" dirty="0"/>
           </a:p>
@@ -3933,7 +4063,7 @@
             <a:fld id="{4B103E64-1627-9140-8127-1849FED275E1}" type="datetime1">
               <a:rPr lang="en-US" smtClean="0"/>
               <a:pPr/>
-              <a:t>12/3/2022</a:t>
+              <a:t>12/4/2022</a:t>
             </a:fld>
             <a:endParaRPr lang="en-US" dirty="0"/>
           </a:p>
@@ -6013,7 +6143,7 @@
             <a:fld id="{DD9C8446-696E-6942-B6C8-CC9CAD0B34E0}" type="datetime1">
               <a:rPr lang="en-US" smtClean="0"/>
               <a:pPr/>
-              <a:t>12/3/2022</a:t>
+              <a:t>12/4/2022</a:t>
             </a:fld>
             <a:endParaRPr lang="en-US" dirty="0"/>
           </a:p>
@@ -6731,7 +6861,7 @@
             <a:fld id="{F5592931-05C6-8543-8B6E-A8BD29BD5C2B}" type="datetime1">
               <a:rPr lang="en-US" smtClean="0"/>
               <a:pPr/>
-              <a:t>12/3/2022</a:t>
+              <a:t>12/4/2022</a:t>
             </a:fld>
             <a:endParaRPr lang="en-US" dirty="0"/>
           </a:p>
@@ -7959,7 +8089,7 @@
             <a:fld id="{7E7AB22C-8B7E-9B4A-8C65-396C3C874D86}" type="datetime1">
               <a:rPr lang="en-US" smtClean="0"/>
               <a:pPr/>
-              <a:t>12/3/2022</a:t>
+              <a:t>12/4/2022</a:t>
             </a:fld>
             <a:endParaRPr lang="en-US" dirty="0"/>
           </a:p>
@@ -8551,7 +8681,7 @@
             <a:fld id="{8CE9AC2A-20AD-8C48-B5EB-B5322BDBCDEE}" type="datetime1">
               <a:rPr lang="en-US" smtClean="0"/>
               <a:pPr/>
-              <a:t>12/3/2022</a:t>
+              <a:t>12/4/2022</a:t>
             </a:fld>
             <a:endParaRPr lang="en-US" dirty="0"/>
           </a:p>
@@ -9024,7 +9154,7 @@
             <a:fld id="{4CF75428-5BE0-934D-BB71-675F8E23A386}" type="datetime1">
               <a:rPr lang="en-US" smtClean="0"/>
               <a:pPr/>
-              <a:t>12/3/2022</a:t>
+              <a:t>12/4/2022</a:t>
             </a:fld>
             <a:endParaRPr lang="en-US" dirty="0"/>
           </a:p>
@@ -9874,7 +10004,7 @@
             <a:fld id="{9A85C5CA-AE29-AB4C-8F85-0373C72001D8}" type="datetime1">
               <a:rPr lang="en-US" smtClean="0"/>
               <a:pPr/>
-              <a:t>12/3/2022</a:t>
+              <a:t>12/4/2022</a:t>
             </a:fld>
             <a:endParaRPr lang="en-US" dirty="0"/>
           </a:p>
@@ -12099,7 +12229,7 @@
             <a:fld id="{75594855-01E8-5A4B-B2B8-E2ECEF879100}" type="datetime1">
               <a:rPr lang="en-US" smtClean="0"/>
               <a:pPr/>
-              <a:t>12/3/2022</a:t>
+              <a:t>12/4/2022</a:t>
             </a:fld>
             <a:endParaRPr lang="en-US" dirty="0"/>
           </a:p>
@@ -12368,7 +12498,7 @@
             <a:fld id="{B562DF68-3089-814D-8A14-C651FE91885E}" type="datetime1">
               <a:rPr lang="en-US" smtClean="0"/>
               <a:pPr/>
-              <a:t>12/3/2022</a:t>
+              <a:t>12/4/2022</a:t>
             </a:fld>
             <a:endParaRPr lang="en-US" dirty="0"/>
           </a:p>
@@ -13113,7 +13243,7 @@
             <a:fld id="{DD9C8446-696E-6942-B6C8-CC9CAD0B34E0}" type="datetime1">
               <a:rPr lang="en-US" smtClean="0"/>
               <a:pPr/>
-              <a:t>12/3/2022</a:t>
+              <a:t>12/4/2022</a:t>
             </a:fld>
             <a:endParaRPr lang="en-US" dirty="0"/>
           </a:p>
@@ -13304,7 +13434,7 @@
             </a:pPr>
             <a:r>
               <a:rPr lang="en-US" dirty="0"/>
-              <a:t>Cross-Validation??</a:t>
+              <a:t>Cross-Validation – in progress</a:t>
             </a:r>
           </a:p>
           <a:p>
@@ -13314,7 +13444,7 @@
             </a:pPr>
             <a:r>
               <a:rPr lang="en-US" dirty="0"/>
-              <a:t>Trim based on P-Values??</a:t>
+              <a:t>Trim based on P-Values – in progress</a:t>
             </a:r>
           </a:p>
           <a:p>
@@ -13357,7 +13487,7 @@
             <a:fld id="{DD9C8446-696E-6942-B6C8-CC9CAD0B34E0}" type="datetime1">
               <a:rPr lang="en-US" smtClean="0"/>
               <a:pPr/>
-              <a:t>12/3/2022</a:t>
+              <a:t>12/4/2022</a:t>
             </a:fld>
             <a:endParaRPr lang="en-US" dirty="0"/>
           </a:p>
@@ -13482,45 +13612,6 @@
       </p:sp>
       <p:sp>
         <p:nvSpPr>
-          <p:cNvPr id="3" name="Content Placeholder 2">
-            <a:extLst>
-              <a:ext uri="{FF2B5EF4-FFF2-40B4-BE49-F238E27FC236}">
-                <a16:creationId xmlns:a16="http://schemas.microsoft.com/office/drawing/2014/main" id="{C9ACAC80-D208-85B0-920C-8551A134339E}"/>
-              </a:ext>
-            </a:extLst>
-          </p:cNvPr>
-          <p:cNvSpPr>
-            <a:spLocks noGrp="1"/>
-          </p:cNvSpPr>
-          <p:nvPr>
-            <p:ph idx="1"/>
-          </p:nvPr>
-        </p:nvSpPr>
-        <p:spPr/>
-        <p:txBody>
-          <a:bodyPr/>
-          <a:lstStyle/>
-          <a:p>
-            <a:pPr marL="457200" indent="-457200">
-              <a:buFont typeface="Arial" panose="020B0604020202020204" pitchFamily="34" charset="0"/>
-              <a:buChar char="•"/>
-            </a:pPr>
-            <a:r>
-              <a:rPr lang="en-US" dirty="0"/>
-              <a:t>Accuracy: 85%</a:t>
-            </a:r>
-          </a:p>
-          <a:p>
-            <a:pPr marL="457200" indent="-457200">
-              <a:buFont typeface="Arial" panose="020B0604020202020204" pitchFamily="34" charset="0"/>
-              <a:buChar char="•"/>
-            </a:pPr>
-            <a:endParaRPr lang="en-US" dirty="0"/>
-          </a:p>
-        </p:txBody>
-      </p:sp>
-      <p:sp>
-        <p:nvSpPr>
           <p:cNvPr id="4" name="Date Placeholder 3">
             <a:extLst>
               <a:ext uri="{FF2B5EF4-FFF2-40B4-BE49-F238E27FC236}">
@@ -13543,7 +13634,7 @@
             <a:fld id="{DD9C8446-696E-6942-B6C8-CC9CAD0B34E0}" type="datetime1">
               <a:rPr lang="en-US" smtClean="0"/>
               <a:pPr/>
-              <a:t>12/3/2022</a:t>
+              <a:t>12/4/2022</a:t>
             </a:fld>
             <a:endParaRPr lang="en-US" dirty="0"/>
           </a:p>
@@ -13608,6 +13699,36 @@
           </a:p>
         </p:txBody>
       </p:sp>
+      <p:pic>
+        <p:nvPicPr>
+          <p:cNvPr id="10" name="Picture 9">
+            <a:extLst>
+              <a:ext uri="{FF2B5EF4-FFF2-40B4-BE49-F238E27FC236}">
+                <a16:creationId xmlns:a16="http://schemas.microsoft.com/office/drawing/2014/main" id="{696225FA-D1E7-A6D3-5B48-B04C3E72B337}"/>
+              </a:ext>
+            </a:extLst>
+          </p:cNvPr>
+          <p:cNvPicPr>
+            <a:picLocks noChangeAspect="1"/>
+          </p:cNvPicPr>
+          <p:nvPr/>
+        </p:nvPicPr>
+        <p:blipFill>
+          <a:blip r:embed="rId2"/>
+          <a:stretch>
+            <a:fillRect/>
+          </a:stretch>
+        </p:blipFill>
+        <p:spPr>
+          <a:xfrm>
+            <a:off x="1167492" y="1706563"/>
+            <a:ext cx="7016925" cy="3872489"/>
+          </a:xfrm>
+          <a:prstGeom prst="rect">
+            <a:avLst/>
+          </a:prstGeom>
+        </p:spPr>
+      </p:pic>
     </p:spTree>
     <p:extLst>
       <p:ext uri="{BB962C8B-B14F-4D97-AF65-F5344CB8AC3E}">
@@ -13643,7 +13764,7 @@
           <p:cNvPr id="2" name="Title 1">
             <a:extLst>
               <a:ext uri="{FF2B5EF4-FFF2-40B4-BE49-F238E27FC236}">
-                <a16:creationId xmlns:a16="http://schemas.microsoft.com/office/drawing/2014/main" id="{DFBDFA08-528F-CC6F-110B-07266A17CF6D}"/>
+                <a16:creationId xmlns:a16="http://schemas.microsoft.com/office/drawing/2014/main" id="{7713AB51-1480-8F52-4B73-28B2D46687F7}"/>
               </a:ext>
             </a:extLst>
           </p:cNvPr>
@@ -13661,33 +13782,8 @@
           <a:p>
             <a:r>
               <a:rPr lang="en-US" dirty="0"/>
-              <a:t>Related Work</a:t>
-            </a:r>
-          </a:p>
-        </p:txBody>
-      </p:sp>
-      <p:sp>
-        <p:nvSpPr>
-          <p:cNvPr id="3" name="Content Placeholder 2">
-            <a:extLst>
-              <a:ext uri="{FF2B5EF4-FFF2-40B4-BE49-F238E27FC236}">
-                <a16:creationId xmlns:a16="http://schemas.microsoft.com/office/drawing/2014/main" id="{D44A9B3D-5875-C598-5876-787EB412DAA6}"/>
-              </a:ext>
-            </a:extLst>
-          </p:cNvPr>
-          <p:cNvSpPr>
-            <a:spLocks noGrp="1"/>
-          </p:cNvSpPr>
-          <p:nvPr>
-            <p:ph idx="1"/>
-          </p:nvPr>
-        </p:nvSpPr>
-        <p:spPr/>
-        <p:txBody>
-          <a:bodyPr/>
-          <a:lstStyle/>
-          <a:p>
-            <a:endParaRPr lang="en-US"/>
+              <a:t>Current Results</a:t>
+            </a:r>
           </a:p>
         </p:txBody>
       </p:sp>
@@ -13696,7 +13792,7 @@
           <p:cNvPr id="4" name="Date Placeholder 3">
             <a:extLst>
               <a:ext uri="{FF2B5EF4-FFF2-40B4-BE49-F238E27FC236}">
-                <a16:creationId xmlns:a16="http://schemas.microsoft.com/office/drawing/2014/main" id="{B5DF8560-1455-3C6C-313F-E56159FF149D}"/>
+                <a16:creationId xmlns:a16="http://schemas.microsoft.com/office/drawing/2014/main" id="{16850397-5424-2494-815F-C87C20F21685}"/>
               </a:ext>
             </a:extLst>
           </p:cNvPr>
@@ -13715,7 +13811,7 @@
             <a:fld id="{DD9C8446-696E-6942-B6C8-CC9CAD0B34E0}" type="datetime1">
               <a:rPr lang="en-US" smtClean="0"/>
               <a:pPr/>
-              <a:t>12/3/2022</a:t>
+              <a:t>12/4/2022</a:t>
             </a:fld>
             <a:endParaRPr lang="en-US" dirty="0"/>
           </a:p>
@@ -13726,7 +13822,7 @@
           <p:cNvPr id="5" name="Footer Placeholder 4">
             <a:extLst>
               <a:ext uri="{FF2B5EF4-FFF2-40B4-BE49-F238E27FC236}">
-                <a16:creationId xmlns:a16="http://schemas.microsoft.com/office/drawing/2014/main" id="{6BE875C0-F4A9-4C7E-8956-6442C9894DFC}"/>
+                <a16:creationId xmlns:a16="http://schemas.microsoft.com/office/drawing/2014/main" id="{5E04F9E1-CB18-3803-A4DF-0C85917C8A47}"/>
               </a:ext>
             </a:extLst>
           </p:cNvPr>
@@ -13755,7 +13851,7 @@
           <p:cNvPr id="6" name="Slide Number Placeholder 5">
             <a:extLst>
               <a:ext uri="{FF2B5EF4-FFF2-40B4-BE49-F238E27FC236}">
-                <a16:creationId xmlns:a16="http://schemas.microsoft.com/office/drawing/2014/main" id="{D3CE41DA-9FE1-DA99-586C-31D666BDDEBA}"/>
+                <a16:creationId xmlns:a16="http://schemas.microsoft.com/office/drawing/2014/main" id="{86CE38AB-4C85-B4FF-D6BC-4F67D2EA56B7}"/>
               </a:ext>
             </a:extLst>
           </p:cNvPr>
@@ -13780,10 +13876,40 @@
           </a:p>
         </p:txBody>
       </p:sp>
+      <p:pic>
+        <p:nvPicPr>
+          <p:cNvPr id="7" name="Picture 6">
+            <a:extLst>
+              <a:ext uri="{FF2B5EF4-FFF2-40B4-BE49-F238E27FC236}">
+                <a16:creationId xmlns:a16="http://schemas.microsoft.com/office/drawing/2014/main" id="{74C1FF01-04A4-C95F-9D0F-44253F2B9201}"/>
+              </a:ext>
+            </a:extLst>
+          </p:cNvPr>
+          <p:cNvPicPr>
+            <a:picLocks noChangeAspect="1"/>
+          </p:cNvPicPr>
+          <p:nvPr/>
+        </p:nvPicPr>
+        <p:blipFill>
+          <a:blip r:embed="rId2"/>
+          <a:stretch>
+            <a:fillRect/>
+          </a:stretch>
+        </p:blipFill>
+        <p:spPr>
+          <a:xfrm>
+            <a:off x="1167491" y="1706562"/>
+            <a:ext cx="7370001" cy="3800157"/>
+          </a:xfrm>
+          <a:prstGeom prst="rect">
+            <a:avLst/>
+          </a:prstGeom>
+        </p:spPr>
+      </p:pic>
     </p:spTree>
     <p:extLst>
       <p:ext uri="{BB962C8B-B14F-4D97-AF65-F5344CB8AC3E}">
-        <p14:creationId xmlns:p14="http://schemas.microsoft.com/office/powerpoint/2010/main" val="3306797172"/>
+        <p14:creationId xmlns:p14="http://schemas.microsoft.com/office/powerpoint/2010/main" val="3534890177"/>
       </p:ext>
     </p:extLst>
   </p:cSld>
@@ -13815,7 +13941,7 @@
           <p:cNvPr id="2" name="Title 1">
             <a:extLst>
               <a:ext uri="{FF2B5EF4-FFF2-40B4-BE49-F238E27FC236}">
-                <a16:creationId xmlns:a16="http://schemas.microsoft.com/office/drawing/2014/main" id="{D2AB84C3-70D4-4730-1A2E-07EA6A8564D5}"/>
+                <a16:creationId xmlns:a16="http://schemas.microsoft.com/office/drawing/2014/main" id="{DFBDFA08-528F-CC6F-110B-07266A17CF6D}"/>
               </a:ext>
             </a:extLst>
           </p:cNvPr>
@@ -13833,7 +13959,7 @@
           <a:p>
             <a:r>
               <a:rPr lang="en-US" dirty="0"/>
-              <a:t>Bibliography</a:t>
+              <a:t>Related Work</a:t>
             </a:r>
           </a:p>
         </p:txBody>
@@ -13843,7 +13969,7 @@
           <p:cNvPr id="3" name="Content Placeholder 2">
             <a:extLst>
               <a:ext uri="{FF2B5EF4-FFF2-40B4-BE49-F238E27FC236}">
-                <a16:creationId xmlns:a16="http://schemas.microsoft.com/office/drawing/2014/main" id="{542B134F-E6A9-772A-B7E8-0D74A6365A5A}"/>
+                <a16:creationId xmlns:a16="http://schemas.microsoft.com/office/drawing/2014/main" id="{D44A9B3D-5875-C598-5876-787EB412DAA6}"/>
               </a:ext>
             </a:extLst>
           </p:cNvPr>
@@ -13864,34 +13990,13 @@
               <a:buChar char="•"/>
             </a:pPr>
             <a:r>
-              <a:rPr lang="en-US" sz="2000" dirty="0">
-                <a:effectLst/>
-              </a:rPr>
-              <a:t>Montoya, A. (2016). </a:t>
-            </a:r>
-            <a:r>
-              <a:rPr lang="en-US" sz="2000" i="1" dirty="0">
-                <a:effectLst/>
-              </a:rPr>
-              <a:t>House prices - advanced regression techniques</a:t>
-            </a:r>
-            <a:r>
-              <a:rPr lang="en-US" sz="2000" dirty="0">
-                <a:effectLst/>
-              </a:rPr>
-              <a:t>. Kaggle. Retrieved December 3, 2022, from </a:t>
-            </a:r>
-            <a:r>
-              <a:rPr lang="en-US" sz="2000" dirty="0">
-                <a:effectLst/>
+              <a:rPr lang="en-US" dirty="0">
                 <a:hlinkClick r:id="rId2"/>
               </a:rPr>
-              <a:t>https://www.kaggle.com/competitions/house-prices-advanced-regression-techniques/overview</a:t>
-            </a:r>
-            <a:r>
-              <a:rPr lang="en-US" sz="2000" dirty="0">
-                <a:effectLst/>
-              </a:rPr>
+              <a:t>https://ieeexplore.ieee.org/document/8882834</a:t>
+            </a:r>
+            <a:r>
+              <a:rPr lang="en-US" dirty="0"/>
               <a:t> </a:t>
             </a:r>
           </a:p>
@@ -13900,7 +14005,16 @@
               <a:buFont typeface="Arial" panose="020B0604020202020204" pitchFamily="34" charset="0"/>
               <a:buChar char="•"/>
             </a:pPr>
-            <a:endParaRPr lang="en-US" sz="2000" dirty="0"/>
+            <a:r>
+              <a:rPr lang="en-US" dirty="0">
+                <a:hlinkClick r:id="rId3"/>
+              </a:rPr>
+              <a:t>https://scholarworks.calstate.edu/downloads/dj52w646n</a:t>
+            </a:r>
+            <a:r>
+              <a:rPr lang="en-US" dirty="0"/>
+              <a:t> </a:t>
+            </a:r>
           </a:p>
         </p:txBody>
       </p:sp>
@@ -13909,7 +14023,7 @@
           <p:cNvPr id="4" name="Date Placeholder 3">
             <a:extLst>
               <a:ext uri="{FF2B5EF4-FFF2-40B4-BE49-F238E27FC236}">
-                <a16:creationId xmlns:a16="http://schemas.microsoft.com/office/drawing/2014/main" id="{720D835B-4EC3-E61F-C8D3-DE2498650357}"/>
+                <a16:creationId xmlns:a16="http://schemas.microsoft.com/office/drawing/2014/main" id="{B5DF8560-1455-3C6C-313F-E56159FF149D}"/>
               </a:ext>
             </a:extLst>
           </p:cNvPr>
@@ -13928,7 +14042,7 @@
             <a:fld id="{DD9C8446-696E-6942-B6C8-CC9CAD0B34E0}" type="datetime1">
               <a:rPr lang="en-US" smtClean="0"/>
               <a:pPr/>
-              <a:t>12/3/2022</a:t>
+              <a:t>12/4/2022</a:t>
             </a:fld>
             <a:endParaRPr lang="en-US" dirty="0"/>
           </a:p>
@@ -13939,7 +14053,7 @@
           <p:cNvPr id="5" name="Footer Placeholder 4">
             <a:extLst>
               <a:ext uri="{FF2B5EF4-FFF2-40B4-BE49-F238E27FC236}">
-                <a16:creationId xmlns:a16="http://schemas.microsoft.com/office/drawing/2014/main" id="{9EF47556-0521-ED9C-69A9-412AEFBED1F2}"/>
+                <a16:creationId xmlns:a16="http://schemas.microsoft.com/office/drawing/2014/main" id="{6BE875C0-F4A9-4C7E-8956-6442C9894DFC}"/>
               </a:ext>
             </a:extLst>
           </p:cNvPr>
@@ -13968,7 +14082,7 @@
           <p:cNvPr id="6" name="Slide Number Placeholder 5">
             <a:extLst>
               <a:ext uri="{FF2B5EF4-FFF2-40B4-BE49-F238E27FC236}">
-                <a16:creationId xmlns:a16="http://schemas.microsoft.com/office/drawing/2014/main" id="{FA7B517C-A84D-660F-5A3A-E1FDCA883B66}"/>
+                <a16:creationId xmlns:a16="http://schemas.microsoft.com/office/drawing/2014/main" id="{D3CE41DA-9FE1-DA99-586C-31D666BDDEBA}"/>
               </a:ext>
             </a:extLst>
           </p:cNvPr>
@@ -13988,6 +14102,297 @@
               <a:rPr lang="en-US" smtClean="0"/>
               <a:pPr/>
               <a:t>6</a:t>
+            </a:fld>
+            <a:endParaRPr lang="en-US" dirty="0"/>
+          </a:p>
+        </p:txBody>
+      </p:sp>
+    </p:spTree>
+    <p:extLst>
+      <p:ext uri="{BB962C8B-B14F-4D97-AF65-F5344CB8AC3E}">
+        <p14:creationId xmlns:p14="http://schemas.microsoft.com/office/powerpoint/2010/main" val="3306797172"/>
+      </p:ext>
+    </p:extLst>
+  </p:cSld>
+  <p:clrMapOvr>
+    <a:masterClrMapping/>
+  </p:clrMapOvr>
+</p:sld>
+</file>
+
+<file path=ppt/slides/slide7.xml><?xml version="1.0" encoding="utf-8"?>
+<p:sld xmlns:a="http://schemas.openxmlformats.org/drawingml/2006/main" xmlns:r="http://schemas.openxmlformats.org/officeDocument/2006/relationships" xmlns:p="http://schemas.openxmlformats.org/presentationml/2006/main">
+  <p:cSld>
+    <p:spTree>
+      <p:nvGrpSpPr>
+        <p:cNvPr id="1" name=""/>
+        <p:cNvGrpSpPr/>
+        <p:nvPr/>
+      </p:nvGrpSpPr>
+      <p:grpSpPr>
+        <a:xfrm>
+          <a:off x="0" y="0"/>
+          <a:ext cx="0" cy="0"/>
+          <a:chOff x="0" y="0"/>
+          <a:chExt cx="0" cy="0"/>
+        </a:xfrm>
+      </p:grpSpPr>
+      <p:sp>
+        <p:nvSpPr>
+          <p:cNvPr id="2" name="Title 1">
+            <a:extLst>
+              <a:ext uri="{FF2B5EF4-FFF2-40B4-BE49-F238E27FC236}">
+                <a16:creationId xmlns:a16="http://schemas.microsoft.com/office/drawing/2014/main" id="{D2AB84C3-70D4-4730-1A2E-07EA6A8564D5}"/>
+              </a:ext>
+            </a:extLst>
+          </p:cNvPr>
+          <p:cNvSpPr>
+            <a:spLocks noGrp="1"/>
+          </p:cNvSpPr>
+          <p:nvPr>
+            <p:ph type="title"/>
+          </p:nvPr>
+        </p:nvSpPr>
+        <p:spPr/>
+        <p:txBody>
+          <a:bodyPr/>
+          <a:lstStyle/>
+          <a:p>
+            <a:r>
+              <a:rPr lang="en-US" dirty="0"/>
+              <a:t>Bibliography</a:t>
+            </a:r>
+          </a:p>
+        </p:txBody>
+      </p:sp>
+      <p:sp>
+        <p:nvSpPr>
+          <p:cNvPr id="3" name="Content Placeholder 2">
+            <a:extLst>
+              <a:ext uri="{FF2B5EF4-FFF2-40B4-BE49-F238E27FC236}">
+                <a16:creationId xmlns:a16="http://schemas.microsoft.com/office/drawing/2014/main" id="{542B134F-E6A9-772A-B7E8-0D74A6365A5A}"/>
+              </a:ext>
+            </a:extLst>
+          </p:cNvPr>
+          <p:cNvSpPr>
+            <a:spLocks noGrp="1"/>
+          </p:cNvSpPr>
+          <p:nvPr>
+            <p:ph idx="1"/>
+          </p:nvPr>
+        </p:nvSpPr>
+        <p:spPr/>
+        <p:txBody>
+          <a:bodyPr/>
+          <a:lstStyle/>
+          <a:p>
+            <a:pPr marL="457200" indent="-457200">
+              <a:buFont typeface="Arial" panose="020B0604020202020204" pitchFamily="34" charset="0"/>
+              <a:buChar char="•"/>
+            </a:pPr>
+            <a:r>
+              <a:rPr lang="en-US" sz="2000" dirty="0">
+                <a:effectLst/>
+              </a:rPr>
+              <a:t>Montoya, A. (2016). </a:t>
+            </a:r>
+            <a:r>
+              <a:rPr lang="en-US" sz="2000" i="1" dirty="0">
+                <a:effectLst/>
+              </a:rPr>
+              <a:t>House prices - advanced regression techniques</a:t>
+            </a:r>
+            <a:r>
+              <a:rPr lang="en-US" sz="2000" dirty="0">
+                <a:effectLst/>
+              </a:rPr>
+              <a:t>. Kaggle. Retrieved December 3, 2022, from </a:t>
+            </a:r>
+            <a:r>
+              <a:rPr lang="en-US" sz="2000" dirty="0">
+                <a:effectLst/>
+                <a:hlinkClick r:id="rId2"/>
+              </a:rPr>
+              <a:t>https://www.kaggle.com/competitions/house-prices-advanced-regression-techniques/overview</a:t>
+            </a:r>
+            <a:r>
+              <a:rPr lang="en-US" sz="2000" dirty="0">
+                <a:effectLst/>
+              </a:rPr>
+              <a:t> </a:t>
+            </a:r>
+          </a:p>
+          <a:p>
+            <a:pPr marL="457200" indent="-457200">
+              <a:buFont typeface="Arial" panose="020B0604020202020204" pitchFamily="34" charset="0"/>
+              <a:buChar char="•"/>
+            </a:pPr>
+            <a:r>
+              <a:rPr lang="en-US" sz="2000" dirty="0">
+                <a:effectLst/>
+              </a:rPr>
+              <a:t>C. R. Madhuri, G. Anuradha and M. V. </a:t>
+            </a:r>
+            <a:r>
+              <a:rPr lang="en-US" sz="2000" dirty="0" err="1">
+                <a:effectLst/>
+              </a:rPr>
+              <a:t>Pujitha</a:t>
+            </a:r>
+            <a:r>
+              <a:rPr lang="en-US" sz="2000" dirty="0">
+                <a:effectLst/>
+              </a:rPr>
+              <a:t>, "House Price Prediction Using Regression Techniques: A Comparative Study," 2019 International Conference on Smart Structures and Systems (ICSSS), 2019, pp. 1-5, </a:t>
+            </a:r>
+            <a:r>
+              <a:rPr lang="en-US" sz="2000" dirty="0" err="1">
+                <a:effectLst/>
+              </a:rPr>
+              <a:t>doi</a:t>
+            </a:r>
+            <a:r>
+              <a:rPr lang="en-US" sz="2000" dirty="0">
+                <a:effectLst/>
+              </a:rPr>
+              <a:t>: 10.1109/ICSSS.2019.8882834.</a:t>
+            </a:r>
+          </a:p>
+          <a:p>
+            <a:pPr marL="457200" indent="-457200">
+              <a:buFont typeface="Arial" panose="020B0604020202020204" pitchFamily="34" charset="0"/>
+              <a:buChar char="•"/>
+            </a:pPr>
+            <a:r>
+              <a:rPr lang="en-US" sz="2000" dirty="0">
+                <a:effectLst/>
+              </a:rPr>
+              <a:t>Yuan, L. (2109). (rep.). </a:t>
+            </a:r>
+            <a:r>
+              <a:rPr lang="en-US" sz="2000" i="1" dirty="0">
+                <a:effectLst/>
+              </a:rPr>
+              <a:t>A REGRESSION MODEL OF SINGLE HOUSE PRICE IN LA CONSTRUCTING A PREDICTED MODEL FOR HOUSE PRICES</a:t>
+            </a:r>
+            <a:r>
+              <a:rPr lang="en-US" sz="2000" dirty="0">
+                <a:effectLst/>
+              </a:rPr>
+              <a:t> (pp. 1–13). Pomona, California: California State Polytechnic University. </a:t>
+            </a:r>
+          </a:p>
+          <a:p>
+            <a:pPr marL="457200" indent="-457200">
+              <a:buFont typeface="Arial" panose="020B0604020202020204" pitchFamily="34" charset="0"/>
+              <a:buChar char="•"/>
+            </a:pPr>
+            <a:endParaRPr lang="en-US" sz="2000" dirty="0">
+              <a:effectLst/>
+            </a:endParaRPr>
+          </a:p>
+          <a:p>
+            <a:pPr marL="457200" indent="-457200">
+              <a:buFont typeface="Arial" panose="020B0604020202020204" pitchFamily="34" charset="0"/>
+              <a:buChar char="•"/>
+            </a:pPr>
+            <a:endParaRPr lang="en-US" sz="2000" dirty="0">
+              <a:effectLst/>
+            </a:endParaRPr>
+          </a:p>
+          <a:p>
+            <a:pPr marL="457200" indent="-457200">
+              <a:buFont typeface="Arial" panose="020B0604020202020204" pitchFamily="34" charset="0"/>
+              <a:buChar char="•"/>
+            </a:pPr>
+            <a:endParaRPr lang="en-US" sz="2000" dirty="0"/>
+          </a:p>
+        </p:txBody>
+      </p:sp>
+      <p:sp>
+        <p:nvSpPr>
+          <p:cNvPr id="4" name="Date Placeholder 3">
+            <a:extLst>
+              <a:ext uri="{FF2B5EF4-FFF2-40B4-BE49-F238E27FC236}">
+                <a16:creationId xmlns:a16="http://schemas.microsoft.com/office/drawing/2014/main" id="{720D835B-4EC3-E61F-C8D3-DE2498650357}"/>
+              </a:ext>
+            </a:extLst>
+          </p:cNvPr>
+          <p:cNvSpPr>
+            <a:spLocks noGrp="1"/>
+          </p:cNvSpPr>
+          <p:nvPr>
+            <p:ph type="dt" sz="half" idx="2"/>
+          </p:nvPr>
+        </p:nvSpPr>
+        <p:spPr/>
+        <p:txBody>
+          <a:bodyPr/>
+          <a:lstStyle/>
+          <a:p>
+            <a:fld id="{DD9C8446-696E-6942-B6C8-CC9CAD0B34E0}" type="datetime1">
+              <a:rPr lang="en-US" smtClean="0"/>
+              <a:pPr/>
+              <a:t>12/4/2022</a:t>
+            </a:fld>
+            <a:endParaRPr lang="en-US" dirty="0"/>
+          </a:p>
+        </p:txBody>
+      </p:sp>
+      <p:sp>
+        <p:nvSpPr>
+          <p:cNvPr id="5" name="Footer Placeholder 4">
+            <a:extLst>
+              <a:ext uri="{FF2B5EF4-FFF2-40B4-BE49-F238E27FC236}">
+                <a16:creationId xmlns:a16="http://schemas.microsoft.com/office/drawing/2014/main" id="{9EF47556-0521-ED9C-69A9-412AEFBED1F2}"/>
+              </a:ext>
+            </a:extLst>
+          </p:cNvPr>
+          <p:cNvSpPr>
+            <a:spLocks noGrp="1"/>
+          </p:cNvSpPr>
+          <p:nvPr>
+            <p:ph type="ftr" sz="quarter" idx="3"/>
+          </p:nvPr>
+        </p:nvSpPr>
+        <p:spPr/>
+        <p:txBody>
+          <a:bodyPr/>
+          <a:lstStyle/>
+          <a:p>
+            <a:r>
+              <a:rPr lang="en-US"/>
+              <a:t>PRESENTATION TITLE</a:t>
+            </a:r>
+            <a:endParaRPr lang="en-US" dirty="0"/>
+          </a:p>
+        </p:txBody>
+      </p:sp>
+      <p:sp>
+        <p:nvSpPr>
+          <p:cNvPr id="6" name="Slide Number Placeholder 5">
+            <a:extLst>
+              <a:ext uri="{FF2B5EF4-FFF2-40B4-BE49-F238E27FC236}">
+                <a16:creationId xmlns:a16="http://schemas.microsoft.com/office/drawing/2014/main" id="{FA7B517C-A84D-660F-5A3A-E1FDCA883B66}"/>
+              </a:ext>
+            </a:extLst>
+          </p:cNvPr>
+          <p:cNvSpPr>
+            <a:spLocks noGrp="1"/>
+          </p:cNvSpPr>
+          <p:nvPr>
+            <p:ph type="sldNum" sz="quarter" idx="4"/>
+          </p:nvPr>
+        </p:nvSpPr>
+        <p:spPr/>
+        <p:txBody>
+          <a:bodyPr/>
+          <a:lstStyle/>
+          <a:p>
+            <a:fld id="{294A09A9-5501-47C1-A89A-A340965A2BE2}" type="slidenum">
+              <a:rPr lang="en-US" smtClean="0"/>
+              <a:pPr/>
+              <a:t>7</a:t>
             </a:fld>
             <a:endParaRPr lang="en-US" dirty="0"/>
           </a:p>
@@ -14503,25 +14908,6 @@
 </file>
 
 <file path=customXml/item1.xml><?xml version="1.0" encoding="utf-8"?>
-<p:properties xmlns:p="http://schemas.microsoft.com/office/2006/metadata/properties" xmlns:xsi="http://www.w3.org/2001/XMLSchema-instance" xmlns:pc="http://schemas.microsoft.com/office/infopath/2007/PartnerControls">
-  <documentManagement>
-    <_ip_UnifiedCompliancePolicyUIAction xmlns="http://schemas.microsoft.com/sharepoint/v3" xsi:nil="true"/>
-    <Image xmlns="71af3243-3dd4-4a8d-8c0d-dd76da1f02a5">
-      <Url xsi:nil="true"/>
-      <Description xsi:nil="true"/>
-    </Image>
-    <Status xmlns="71af3243-3dd4-4a8d-8c0d-dd76da1f02a5">Not started</Status>
-    <_ip_UnifiedCompliancePolicyProperties xmlns="http://schemas.microsoft.com/sharepoint/v3" xsi:nil="true"/>
-    <ImageTagsTaxHTField xmlns="71af3243-3dd4-4a8d-8c0d-dd76da1f02a5">
-      <Terms xmlns="http://schemas.microsoft.com/office/infopath/2007/PartnerControls"/>
-    </ImageTagsTaxHTField>
-    <TaxCatchAll xmlns="230e9df3-be65-4c73-a93b-d1236ebd677e"/>
-    <MediaServiceKeyPoints xmlns="71af3243-3dd4-4a8d-8c0d-dd76da1f02a5" xsi:nil="true"/>
-  </documentManagement>
-</p:properties>
-</file>
-
-<file path=customXml/item2.xml><?xml version="1.0" encoding="utf-8"?>
 <ct:contentTypeSchema xmlns:ct="http://schemas.microsoft.com/office/2006/metadata/contentType" xmlns:ma="http://schemas.microsoft.com/office/2006/metadata/properties/metaAttributes" ct:_="" ma:_="" ma:contentTypeName="Document" ma:contentTypeID="0x01010079F111ED35F8CC479449609E8A0923A6" ma:contentTypeVersion="21" ma:contentTypeDescription="Create a new document." ma:contentTypeScope="" ma:versionID="64dfb1555687e0874b4304b796b5b0c7">
   <xsd:schema xmlns:xsd="http://www.w3.org/2001/XMLSchema" xmlns:xs="http://www.w3.org/2001/XMLSchema" xmlns:p="http://schemas.microsoft.com/office/2006/metadata/properties" xmlns:ns1="http://schemas.microsoft.com/sharepoint/v3" xmlns:ns2="71af3243-3dd4-4a8d-8c0d-dd76da1f02a5" xmlns:ns3="16c05727-aa75-4e4a-9b5f-8a80a1165891" xmlns:ns4="230e9df3-be65-4c73-a93b-d1236ebd677e" targetNamespace="http://schemas.microsoft.com/office/2006/metadata/properties" ma:root="true" ma:fieldsID="e6e4c555b5e194d05b7203de9c4567b3" ns1:_="" ns2:_="" ns3:_="" ns4:_="">
     <xsd:import namespace="http://schemas.microsoft.com/sharepoint/v3"/>
@@ -14803,6 +15189,25 @@
 </ct:contentTypeSchema>
 </file>
 
+<file path=customXml/item2.xml><?xml version="1.0" encoding="utf-8"?>
+<p:properties xmlns:p="http://schemas.microsoft.com/office/2006/metadata/properties" xmlns:xsi="http://www.w3.org/2001/XMLSchema-instance" xmlns:pc="http://schemas.microsoft.com/office/infopath/2007/PartnerControls">
+  <documentManagement>
+    <_ip_UnifiedCompliancePolicyUIAction xmlns="http://schemas.microsoft.com/sharepoint/v3" xsi:nil="true"/>
+    <Image xmlns="71af3243-3dd4-4a8d-8c0d-dd76da1f02a5">
+      <Url xsi:nil="true"/>
+      <Description xsi:nil="true"/>
+    </Image>
+    <Status xmlns="71af3243-3dd4-4a8d-8c0d-dd76da1f02a5">Not started</Status>
+    <_ip_UnifiedCompliancePolicyProperties xmlns="http://schemas.microsoft.com/sharepoint/v3" xsi:nil="true"/>
+    <ImageTagsTaxHTField xmlns="71af3243-3dd4-4a8d-8c0d-dd76da1f02a5">
+      <Terms xmlns="http://schemas.microsoft.com/office/infopath/2007/PartnerControls"/>
+    </ImageTagsTaxHTField>
+    <TaxCatchAll xmlns="230e9df3-be65-4c73-a93b-d1236ebd677e"/>
+    <MediaServiceKeyPoints xmlns="71af3243-3dd4-4a8d-8c0d-dd76da1f02a5" xsi:nil="true"/>
+  </documentManagement>
+</p:properties>
+</file>
+
 <file path=customXml/item3.xml><?xml version="1.0" encoding="utf-8"?>
 <?mso-contentType ?>
 <FormTemplates xmlns="http://schemas.microsoft.com/sharepoint/v3/contenttype/forms">
@@ -14813,18 +15218,6 @@
 </file>
 
 <file path=customXml/itemProps1.xml><?xml version="1.0" encoding="utf-8"?>
-<ds:datastoreItem xmlns:ds="http://schemas.openxmlformats.org/officeDocument/2006/customXml" ds:itemID="{4D5BAB77-79E1-4739-AA51-10C9079186D6}">
-  <ds:schemaRefs>
-    <ds:schemaRef ds:uri="http://schemas.microsoft.com/office/2006/metadata/properties"/>
-    <ds:schemaRef ds:uri="http://schemas.microsoft.com/office/infopath/2007/PartnerControls"/>
-    <ds:schemaRef ds:uri="http://schemas.microsoft.com/sharepoint/v3"/>
-    <ds:schemaRef ds:uri="71af3243-3dd4-4a8d-8c0d-dd76da1f02a5"/>
-    <ds:schemaRef ds:uri="230e9df3-be65-4c73-a93b-d1236ebd677e"/>
-  </ds:schemaRefs>
-</ds:datastoreItem>
-</file>
-
-<file path=customXml/itemProps2.xml><?xml version="1.0" encoding="utf-8"?>
 <ds:datastoreItem xmlns:ds="http://schemas.openxmlformats.org/officeDocument/2006/customXml" ds:itemID="{4A615295-94F6-4CE2-A1B1-6B7E1DAA5AD6}">
   <ds:schemaRefs>
     <ds:schemaRef ds:uri="http://schemas.microsoft.com/office/2006/metadata/contentType"/>
@@ -14845,6 +15238,18 @@
 </ds:datastoreItem>
 </file>
 
+<file path=customXml/itemProps2.xml><?xml version="1.0" encoding="utf-8"?>
+<ds:datastoreItem xmlns:ds="http://schemas.openxmlformats.org/officeDocument/2006/customXml" ds:itemID="{4D5BAB77-79E1-4739-AA51-10C9079186D6}">
+  <ds:schemaRefs>
+    <ds:schemaRef ds:uri="http://schemas.microsoft.com/office/2006/metadata/properties"/>
+    <ds:schemaRef ds:uri="http://schemas.microsoft.com/office/infopath/2007/PartnerControls"/>
+    <ds:schemaRef ds:uri="http://schemas.microsoft.com/sharepoint/v3"/>
+    <ds:schemaRef ds:uri="71af3243-3dd4-4a8d-8c0d-dd76da1f02a5"/>
+    <ds:schemaRef ds:uri="230e9df3-be65-4c73-a93b-d1236ebd677e"/>
+  </ds:schemaRefs>
+</ds:datastoreItem>
+</file>
+
 <file path=customXml/itemProps3.xml><?xml version="1.0" encoding="utf-8"?>
 <ds:datastoreItem xmlns:ds="http://schemas.openxmlformats.org/officeDocument/2006/customXml" ds:itemID="{85334180-0405-413B-834A-44FA9E05ADB7}">
   <ds:schemaRefs>
